--- a/lectures_strang_en/Lecture_01_Strang_EN.pptx
+++ b/lectures_strang_en/Lecture_01_Strang_EN.pptx
@@ -12895,8 +12895,8 @@
           <a:lstStyle/>
           <a:p>
             <a:r>
-              <a:rPr lang="es-ES" dirty="0"/>
-              <a:t>Referencias</a:t>
+              <a:rPr lang="es-ES" dirty="0" err="1"/>
+              <a:t>Credits</a:t>
             </a:r>
             <a:endParaRPr lang="es-PY" dirty="0"/>
           </a:p>
